--- a/Matches/IDPA - ISA - March 2020/North Pistol, B - Your Average McDolan’s 3.pptx
+++ b/Matches/IDPA - ISA - March 2020/North Pistol, B - Your Average McDolan’s 3.pptx
@@ -4965,7 +4965,7 @@
           <p:nvPr>
             <p:extLst>
               <p:ext uri="{D42A27DB-BD31-4B8C-83A1-F6EECF244321}">
-                <p14:modId xmlns:p14="http://schemas.microsoft.com/office/powerpoint/2010/main" val="99833138"/>
+                <p14:modId xmlns:p14="http://schemas.microsoft.com/office/powerpoint/2010/main" val="2021323689"/>
               </p:ext>
             </p:extLst>
           </p:nvPr>
@@ -5918,7 +5918,7 @@
                           <a:ea typeface="ＭＳ Ｐゴシック" pitchFamily="-112" charset="-128"/>
                           <a:cs typeface="Times New Roman" pitchFamily="-112" charset="0"/>
                         </a:rPr>
-                        <a:t>ROUND COUNT:      17</a:t>
+                        <a:t>ROUND COUNT:      18</a:t>
                       </a:r>
                     </a:p>
                     <a:p>
@@ -5951,8 +5951,35 @@
                           <a:ea typeface="ＭＳ Ｐゴシック" pitchFamily="-112" charset="-128"/>
                           <a:cs typeface="Times New Roman" pitchFamily="-112" charset="0"/>
                         </a:rPr>
-                        <a:t>TARGETS:	         8 IDPA, 1 PP</a:t>
+                        <a:t>TARGETS:	</a:t>
                       </a:r>
+                      <a:r>
+                        <a:rPr kumimoji="0" lang="en-US" sz="1100" b="1" i="0" u="none" strike="noStrike" cap="none" normalizeH="0" baseline="0">
+                          <a:ln>
+                            <a:noFill/>
+                          </a:ln>
+                          <a:solidFill>
+                            <a:schemeClr val="tx1"/>
+                          </a:solidFill>
+                          <a:effectLst/>
+                          <a:latin typeface="Arial" charset="0"/>
+                          <a:ea typeface="ＭＳ Ｐゴシック" pitchFamily="-112" charset="-128"/>
+                          <a:cs typeface="Times New Roman" pitchFamily="-112" charset="0"/>
+                        </a:rPr>
+                        <a:t>         9 IDPA</a:t>
+                      </a:r>
+                      <a:endParaRPr kumimoji="0" lang="en-US" sz="1100" b="1" i="0" u="none" strike="noStrike" cap="none" normalizeH="0" baseline="0" dirty="0">
+                        <a:ln>
+                          <a:noFill/>
+                        </a:ln>
+                        <a:solidFill>
+                          <a:schemeClr val="tx1"/>
+                        </a:solidFill>
+                        <a:effectLst/>
+                        <a:latin typeface="Arial" charset="0"/>
+                        <a:ea typeface="ＭＳ Ｐゴシック" pitchFamily="-112" charset="-128"/>
+                        <a:cs typeface="Times New Roman" pitchFamily="-112" charset="0"/>
+                      </a:endParaRPr>
                     </a:p>
                     <a:p>
                       <a:pPr marL="0" marR="0" lvl="0" indent="0" algn="l" defTabSz="966788" rtl="0" eaLnBrk="0" fontAlgn="base" latinLnBrk="0" hangingPunct="0">
@@ -6113,35 +6140,8 @@
                           <a:ea typeface="ＭＳ Ｐゴシック" pitchFamily="-112" charset="-128"/>
                           <a:cs typeface="Times New Roman" pitchFamily="-112" charset="0"/>
                         </a:rPr>
-                        <a:t>SO </a:t>
+                        <a:t>SO NOTES:</a:t>
                       </a:r>
-                      <a:r>
-                        <a:rPr kumimoji="0" lang="en-US" sz="1100" b="1" i="0" u="none" strike="noStrike" cap="none" normalizeH="0" baseline="0">
-                          <a:ln>
-                            <a:noFill/>
-                          </a:ln>
-                          <a:solidFill>
-                            <a:schemeClr val="tx1"/>
-                          </a:solidFill>
-                          <a:effectLst/>
-                          <a:latin typeface="Arial" charset="0"/>
-                          <a:ea typeface="ＭＳ Ｐゴシック" pitchFamily="-112" charset="-128"/>
-                          <a:cs typeface="Times New Roman" pitchFamily="-112" charset="0"/>
-                        </a:rPr>
-                        <a:t>NOTES:</a:t>
-                      </a:r>
-                      <a:endParaRPr kumimoji="0" lang="en-US" sz="1100" b="1" i="0" u="none" strike="noStrike" cap="none" normalizeH="0" baseline="0" dirty="0">
-                        <a:ln>
-                          <a:noFill/>
-                        </a:ln>
-                        <a:solidFill>
-                          <a:schemeClr val="tx1"/>
-                        </a:solidFill>
-                        <a:effectLst/>
-                        <a:latin typeface="Arial" charset="0"/>
-                        <a:ea typeface="ＭＳ Ｐゴシック" pitchFamily="-112" charset="-128"/>
-                        <a:cs typeface="Times New Roman" pitchFamily="-112" charset="0"/>
-                      </a:endParaRPr>
                     </a:p>
                   </a:txBody>
                   <a:tcPr marL="45720" marR="45720" marT="45715" marB="45715" horzOverflow="overflow">
@@ -6258,7 +6258,7 @@
                           <a:ea typeface="ＭＳ Ｐゴシック" pitchFamily="-112" charset="-128"/>
                           <a:cs typeface="Times New Roman" pitchFamily="-112" charset="0"/>
                         </a:rPr>
-                        <a:t>At start signal, engage T1, T2, and PP1 from P1, engage T3-T8 from available cover</a:t>
+                        <a:t>At start signal, engage T1-T3  from P1, engage T3-T8 from available cover</a:t>
                       </a:r>
                     </a:p>
                   </a:txBody>
@@ -6408,7 +6408,7 @@
         </p:nvSpPr>
         <p:spPr>
           <a:xfrm>
-            <a:off x="5593525" y="8664705"/>
+            <a:off x="5490328" y="8637549"/>
             <a:ext cx="533400" cy="369332"/>
           </a:xfrm>
           <a:prstGeom prst="rect">
@@ -6444,7 +6444,7 @@
         </p:nvSpPr>
         <p:spPr>
           <a:xfrm>
-            <a:off x="5638800" y="4819812"/>
+            <a:off x="6714973" y="4803621"/>
             <a:ext cx="533400" cy="369332"/>
           </a:xfrm>
           <a:prstGeom prst="rect">
@@ -6461,41 +6461,6 @@
             <a:r>
               <a:rPr lang="en-US" b="1" dirty="0"/>
               <a:t>T1</a:t>
-            </a:r>
-          </a:p>
-        </p:txBody>
-      </p:sp>
-      <p:sp>
-        <p:nvSpPr>
-          <p:cNvPr id="7" name="TextBox 6">
-            <a:extLst>
-              <a:ext uri="{FF2B5EF4-FFF2-40B4-BE49-F238E27FC236}">
-                <a16:creationId xmlns:a16="http://schemas.microsoft.com/office/drawing/2014/main" id="{8229ABA5-3995-406B-BC0E-0912CF9192D3}"/>
-              </a:ext>
-            </a:extLst>
-          </p:cNvPr>
-          <p:cNvSpPr txBox="1"/>
-          <p:nvPr/>
-        </p:nvSpPr>
-        <p:spPr>
-          <a:xfrm>
-            <a:off x="6124077" y="4618672"/>
-            <a:ext cx="671512" cy="369332"/>
-          </a:xfrm>
-          <a:prstGeom prst="rect">
-            <a:avLst/>
-          </a:prstGeom>
-          <a:noFill/>
-        </p:spPr>
-        <p:txBody>
-          <a:bodyPr wrap="square" rtlCol="0">
-            <a:spAutoFit/>
-          </a:bodyPr>
-          <a:lstStyle/>
-          <a:p>
-            <a:r>
-              <a:rPr lang="en-US" b="1" dirty="0"/>
-              <a:t>PP1</a:t>
             </a:r>
           </a:p>
         </p:txBody>
@@ -7711,1031 +7676,6 @@
           </a:fontRef>
         </p:style>
       </p:cxnSp>
-      <p:grpSp>
-        <p:nvGrpSpPr>
-          <p:cNvPr id="51" name="Group 21">
-            <a:extLst>
-              <a:ext uri="{FF2B5EF4-FFF2-40B4-BE49-F238E27FC236}">
-                <a16:creationId xmlns:a16="http://schemas.microsoft.com/office/drawing/2014/main" id="{6E78FCB0-663C-428F-8440-B1DBBF9A706E}"/>
-              </a:ext>
-            </a:extLst>
-          </p:cNvPr>
-          <p:cNvGrpSpPr>
-            <a:grpSpLocks/>
-          </p:cNvGrpSpPr>
-          <p:nvPr/>
-        </p:nvGrpSpPr>
-        <p:grpSpPr bwMode="auto">
-          <a:xfrm>
-            <a:off x="6330168" y="5075578"/>
-            <a:ext cx="185738" cy="660400"/>
-            <a:chOff x="5403" y="3457"/>
-            <a:chExt cx="209" cy="755"/>
-          </a:xfrm>
-        </p:grpSpPr>
-        <p:sp>
-          <p:nvSpPr>
-            <p:cNvPr id="52" name="Oval 22">
-              <a:extLst>
-                <a:ext uri="{FF2B5EF4-FFF2-40B4-BE49-F238E27FC236}">
-                  <a16:creationId xmlns:a16="http://schemas.microsoft.com/office/drawing/2014/main" id="{54292128-02FE-423B-8BC4-20E37A812661}"/>
-                </a:ext>
-              </a:extLst>
-            </p:cNvPr>
-            <p:cNvSpPr>
-              <a:spLocks noChangeArrowheads="1"/>
-            </p:cNvSpPr>
-            <p:nvPr/>
-          </p:nvSpPr>
-          <p:spPr bwMode="auto">
-            <a:xfrm>
-              <a:off x="5457" y="3457"/>
-              <a:ext cx="100" cy="100"/>
-            </a:xfrm>
-            <a:prstGeom prst="ellipse">
-              <a:avLst/>
-            </a:prstGeom>
-            <a:solidFill>
-              <a:schemeClr val="bg1"/>
-            </a:solidFill>
-            <a:ln w="12700">
-              <a:solidFill>
-                <a:schemeClr val="tx1"/>
-              </a:solidFill>
-              <a:round/>
-              <a:headEnd/>
-              <a:tailEnd/>
-            </a:ln>
-          </p:spPr>
-          <p:txBody>
-            <a:bodyPr wrap="none" anchor="ctr"/>
-            <a:lstStyle>
-              <a:lvl1pPr eaLnBrk="0" hangingPunct="0">
-                <a:defRPr>
-                  <a:solidFill>
-                    <a:schemeClr val="tx1"/>
-                  </a:solidFill>
-                  <a:latin typeface="Arial" panose="020B0604020202020204" pitchFamily="34" charset="0"/>
-                  <a:ea typeface="ＭＳ Ｐゴシック" panose="020B0600070205080204" pitchFamily="34" charset="-128"/>
-                </a:defRPr>
-              </a:lvl1pPr>
-              <a:lvl2pPr marL="742950" indent="-285750" eaLnBrk="0" hangingPunct="0">
-                <a:defRPr>
-                  <a:solidFill>
-                    <a:schemeClr val="tx1"/>
-                  </a:solidFill>
-                  <a:latin typeface="Arial" panose="020B0604020202020204" pitchFamily="34" charset="0"/>
-                  <a:ea typeface="ＭＳ Ｐゴシック" panose="020B0600070205080204" pitchFamily="34" charset="-128"/>
-                </a:defRPr>
-              </a:lvl2pPr>
-              <a:lvl3pPr marL="1143000" indent="-228600" eaLnBrk="0" hangingPunct="0">
-                <a:defRPr>
-                  <a:solidFill>
-                    <a:schemeClr val="tx1"/>
-                  </a:solidFill>
-                  <a:latin typeface="Arial" panose="020B0604020202020204" pitchFamily="34" charset="0"/>
-                  <a:ea typeface="ＭＳ Ｐゴシック" panose="020B0600070205080204" pitchFamily="34" charset="-128"/>
-                </a:defRPr>
-              </a:lvl3pPr>
-              <a:lvl4pPr marL="1600200" indent="-228600" eaLnBrk="0" hangingPunct="0">
-                <a:defRPr>
-                  <a:solidFill>
-                    <a:schemeClr val="tx1"/>
-                  </a:solidFill>
-                  <a:latin typeface="Arial" panose="020B0604020202020204" pitchFamily="34" charset="0"/>
-                  <a:ea typeface="ＭＳ Ｐゴシック" panose="020B0600070205080204" pitchFamily="34" charset="-128"/>
-                </a:defRPr>
-              </a:lvl4pPr>
-              <a:lvl5pPr marL="2057400" indent="-228600" eaLnBrk="0" hangingPunct="0">
-                <a:defRPr>
-                  <a:solidFill>
-                    <a:schemeClr val="tx1"/>
-                  </a:solidFill>
-                  <a:latin typeface="Arial" panose="020B0604020202020204" pitchFamily="34" charset="0"/>
-                  <a:ea typeface="ＭＳ Ｐゴシック" panose="020B0600070205080204" pitchFamily="34" charset="-128"/>
-                </a:defRPr>
-              </a:lvl5pPr>
-              <a:lvl6pPr marL="2514600" indent="-228600" eaLnBrk="0" fontAlgn="base" hangingPunct="0">
-                <a:spcBef>
-                  <a:spcPct val="0"/>
-                </a:spcBef>
-                <a:spcAft>
-                  <a:spcPct val="0"/>
-                </a:spcAft>
-                <a:defRPr>
-                  <a:solidFill>
-                    <a:schemeClr val="tx1"/>
-                  </a:solidFill>
-                  <a:latin typeface="Arial" panose="020B0604020202020204" pitchFamily="34" charset="0"/>
-                  <a:ea typeface="ＭＳ Ｐゴシック" panose="020B0600070205080204" pitchFamily="34" charset="-128"/>
-                </a:defRPr>
-              </a:lvl6pPr>
-              <a:lvl7pPr marL="2971800" indent="-228600" eaLnBrk="0" fontAlgn="base" hangingPunct="0">
-                <a:spcBef>
-                  <a:spcPct val="0"/>
-                </a:spcBef>
-                <a:spcAft>
-                  <a:spcPct val="0"/>
-                </a:spcAft>
-                <a:defRPr>
-                  <a:solidFill>
-                    <a:schemeClr val="tx1"/>
-                  </a:solidFill>
-                  <a:latin typeface="Arial" panose="020B0604020202020204" pitchFamily="34" charset="0"/>
-                  <a:ea typeface="ＭＳ Ｐゴシック" panose="020B0600070205080204" pitchFamily="34" charset="-128"/>
-                </a:defRPr>
-              </a:lvl7pPr>
-              <a:lvl8pPr marL="3429000" indent="-228600" eaLnBrk="0" fontAlgn="base" hangingPunct="0">
-                <a:spcBef>
-                  <a:spcPct val="0"/>
-                </a:spcBef>
-                <a:spcAft>
-                  <a:spcPct val="0"/>
-                </a:spcAft>
-                <a:defRPr>
-                  <a:solidFill>
-                    <a:schemeClr val="tx1"/>
-                  </a:solidFill>
-                  <a:latin typeface="Arial" panose="020B0604020202020204" pitchFamily="34" charset="0"/>
-                  <a:ea typeface="ＭＳ Ｐゴシック" panose="020B0600070205080204" pitchFamily="34" charset="-128"/>
-                </a:defRPr>
-              </a:lvl8pPr>
-              <a:lvl9pPr marL="3886200" indent="-228600" eaLnBrk="0" fontAlgn="base" hangingPunct="0">
-                <a:spcBef>
-                  <a:spcPct val="0"/>
-                </a:spcBef>
-                <a:spcAft>
-                  <a:spcPct val="0"/>
-                </a:spcAft>
-                <a:defRPr>
-                  <a:solidFill>
-                    <a:schemeClr val="tx1"/>
-                  </a:solidFill>
-                  <a:latin typeface="Arial" panose="020B0604020202020204" pitchFamily="34" charset="0"/>
-                  <a:ea typeface="ＭＳ Ｐゴシック" panose="020B0600070205080204" pitchFamily="34" charset="-128"/>
-                </a:defRPr>
-              </a:lvl9pPr>
-            </a:lstStyle>
-            <a:p>
-              <a:pPr eaLnBrk="1" hangingPunct="1"/>
-              <a:endParaRPr lang="en-US" altLang="en-US"/>
-            </a:p>
-          </p:txBody>
-        </p:sp>
-        <p:sp>
-          <p:nvSpPr>
-            <p:cNvPr id="53" name="Oval 23">
-              <a:extLst>
-                <a:ext uri="{FF2B5EF4-FFF2-40B4-BE49-F238E27FC236}">
-                  <a16:creationId xmlns:a16="http://schemas.microsoft.com/office/drawing/2014/main" id="{7B47FA22-FE72-4050-978A-43A241519C45}"/>
-                </a:ext>
-              </a:extLst>
-            </p:cNvPr>
-            <p:cNvSpPr>
-              <a:spLocks noChangeArrowheads="1"/>
-            </p:cNvSpPr>
-            <p:nvPr/>
-          </p:nvSpPr>
-          <p:spPr bwMode="auto">
-            <a:xfrm>
-              <a:off x="5403" y="3610"/>
-              <a:ext cx="209" cy="209"/>
-            </a:xfrm>
-            <a:prstGeom prst="ellipse">
-              <a:avLst/>
-            </a:prstGeom>
-            <a:solidFill>
-              <a:schemeClr val="bg1"/>
-            </a:solidFill>
-            <a:ln w="12700">
-              <a:solidFill>
-                <a:schemeClr val="tx1"/>
-              </a:solidFill>
-              <a:round/>
-              <a:headEnd/>
-              <a:tailEnd/>
-            </a:ln>
-          </p:spPr>
-          <p:txBody>
-            <a:bodyPr wrap="none" anchor="ctr"/>
-            <a:lstStyle>
-              <a:lvl1pPr eaLnBrk="0" hangingPunct="0">
-                <a:defRPr>
-                  <a:solidFill>
-                    <a:schemeClr val="tx1"/>
-                  </a:solidFill>
-                  <a:latin typeface="Arial" panose="020B0604020202020204" pitchFamily="34" charset="0"/>
-                  <a:ea typeface="ＭＳ Ｐゴシック" panose="020B0600070205080204" pitchFamily="34" charset="-128"/>
-                </a:defRPr>
-              </a:lvl1pPr>
-              <a:lvl2pPr marL="742950" indent="-285750" eaLnBrk="0" hangingPunct="0">
-                <a:defRPr>
-                  <a:solidFill>
-                    <a:schemeClr val="tx1"/>
-                  </a:solidFill>
-                  <a:latin typeface="Arial" panose="020B0604020202020204" pitchFamily="34" charset="0"/>
-                  <a:ea typeface="ＭＳ Ｐゴシック" panose="020B0600070205080204" pitchFamily="34" charset="-128"/>
-                </a:defRPr>
-              </a:lvl2pPr>
-              <a:lvl3pPr marL="1143000" indent="-228600" eaLnBrk="0" hangingPunct="0">
-                <a:defRPr>
-                  <a:solidFill>
-                    <a:schemeClr val="tx1"/>
-                  </a:solidFill>
-                  <a:latin typeface="Arial" panose="020B0604020202020204" pitchFamily="34" charset="0"/>
-                  <a:ea typeface="ＭＳ Ｐゴシック" panose="020B0600070205080204" pitchFamily="34" charset="-128"/>
-                </a:defRPr>
-              </a:lvl3pPr>
-              <a:lvl4pPr marL="1600200" indent="-228600" eaLnBrk="0" hangingPunct="0">
-                <a:defRPr>
-                  <a:solidFill>
-                    <a:schemeClr val="tx1"/>
-                  </a:solidFill>
-                  <a:latin typeface="Arial" panose="020B0604020202020204" pitchFamily="34" charset="0"/>
-                  <a:ea typeface="ＭＳ Ｐゴシック" panose="020B0600070205080204" pitchFamily="34" charset="-128"/>
-                </a:defRPr>
-              </a:lvl4pPr>
-              <a:lvl5pPr marL="2057400" indent="-228600" eaLnBrk="0" hangingPunct="0">
-                <a:defRPr>
-                  <a:solidFill>
-                    <a:schemeClr val="tx1"/>
-                  </a:solidFill>
-                  <a:latin typeface="Arial" panose="020B0604020202020204" pitchFamily="34" charset="0"/>
-                  <a:ea typeface="ＭＳ Ｐゴシック" panose="020B0600070205080204" pitchFamily="34" charset="-128"/>
-                </a:defRPr>
-              </a:lvl5pPr>
-              <a:lvl6pPr marL="2514600" indent="-228600" eaLnBrk="0" fontAlgn="base" hangingPunct="0">
-                <a:spcBef>
-                  <a:spcPct val="0"/>
-                </a:spcBef>
-                <a:spcAft>
-                  <a:spcPct val="0"/>
-                </a:spcAft>
-                <a:defRPr>
-                  <a:solidFill>
-                    <a:schemeClr val="tx1"/>
-                  </a:solidFill>
-                  <a:latin typeface="Arial" panose="020B0604020202020204" pitchFamily="34" charset="0"/>
-                  <a:ea typeface="ＭＳ Ｐゴシック" panose="020B0600070205080204" pitchFamily="34" charset="-128"/>
-                </a:defRPr>
-              </a:lvl6pPr>
-              <a:lvl7pPr marL="2971800" indent="-228600" eaLnBrk="0" fontAlgn="base" hangingPunct="0">
-                <a:spcBef>
-                  <a:spcPct val="0"/>
-                </a:spcBef>
-                <a:spcAft>
-                  <a:spcPct val="0"/>
-                </a:spcAft>
-                <a:defRPr>
-                  <a:solidFill>
-                    <a:schemeClr val="tx1"/>
-                  </a:solidFill>
-                  <a:latin typeface="Arial" panose="020B0604020202020204" pitchFamily="34" charset="0"/>
-                  <a:ea typeface="ＭＳ Ｐゴシック" panose="020B0600070205080204" pitchFamily="34" charset="-128"/>
-                </a:defRPr>
-              </a:lvl7pPr>
-              <a:lvl8pPr marL="3429000" indent="-228600" eaLnBrk="0" fontAlgn="base" hangingPunct="0">
-                <a:spcBef>
-                  <a:spcPct val="0"/>
-                </a:spcBef>
-                <a:spcAft>
-                  <a:spcPct val="0"/>
-                </a:spcAft>
-                <a:defRPr>
-                  <a:solidFill>
-                    <a:schemeClr val="tx1"/>
-                  </a:solidFill>
-                  <a:latin typeface="Arial" panose="020B0604020202020204" pitchFamily="34" charset="0"/>
-                  <a:ea typeface="ＭＳ Ｐゴシック" panose="020B0600070205080204" pitchFamily="34" charset="-128"/>
-                </a:defRPr>
-              </a:lvl8pPr>
-              <a:lvl9pPr marL="3886200" indent="-228600" eaLnBrk="0" fontAlgn="base" hangingPunct="0">
-                <a:spcBef>
-                  <a:spcPct val="0"/>
-                </a:spcBef>
-                <a:spcAft>
-                  <a:spcPct val="0"/>
-                </a:spcAft>
-                <a:defRPr>
-                  <a:solidFill>
-                    <a:schemeClr val="tx1"/>
-                  </a:solidFill>
-                  <a:latin typeface="Arial" panose="020B0604020202020204" pitchFamily="34" charset="0"/>
-                  <a:ea typeface="ＭＳ Ｐゴシック" panose="020B0600070205080204" pitchFamily="34" charset="-128"/>
-                </a:defRPr>
-              </a:lvl9pPr>
-            </a:lstStyle>
-            <a:p>
-              <a:pPr eaLnBrk="1" hangingPunct="1"/>
-              <a:endParaRPr lang="en-US" altLang="en-US"/>
-            </a:p>
-          </p:txBody>
-        </p:sp>
-        <p:sp>
-          <p:nvSpPr>
-            <p:cNvPr id="54" name="Freeform 24">
-              <a:extLst>
-                <a:ext uri="{FF2B5EF4-FFF2-40B4-BE49-F238E27FC236}">
-                  <a16:creationId xmlns:a16="http://schemas.microsoft.com/office/drawing/2014/main" id="{1D0D1A7A-5892-4F92-A766-88E419E9F1A2}"/>
-                </a:ext>
-              </a:extLst>
-            </p:cNvPr>
-            <p:cNvSpPr>
-              <a:spLocks/>
-            </p:cNvSpPr>
-            <p:nvPr/>
-          </p:nvSpPr>
-          <p:spPr bwMode="auto">
-            <a:xfrm>
-              <a:off x="5434" y="3786"/>
-              <a:ext cx="148" cy="426"/>
-            </a:xfrm>
-            <a:custGeom>
-              <a:avLst/>
-              <a:gdLst>
-                <a:gd name="T0" fmla="*/ 0 w 148"/>
-                <a:gd name="T1" fmla="*/ 0 h 426"/>
-                <a:gd name="T2" fmla="*/ 147 w 148"/>
-                <a:gd name="T3" fmla="*/ 0 h 426"/>
-                <a:gd name="T4" fmla="*/ 123 w 148"/>
-                <a:gd name="T5" fmla="*/ 425 h 426"/>
-                <a:gd name="T6" fmla="*/ 21 w 148"/>
-                <a:gd name="T7" fmla="*/ 425 h 426"/>
-                <a:gd name="T8" fmla="*/ 0 w 148"/>
-                <a:gd name="T9" fmla="*/ 0 h 426"/>
-                <a:gd name="T10" fmla="*/ 0 60000 65536"/>
-                <a:gd name="T11" fmla="*/ 0 60000 65536"/>
-                <a:gd name="T12" fmla="*/ 0 60000 65536"/>
-                <a:gd name="T13" fmla="*/ 0 60000 65536"/>
-                <a:gd name="T14" fmla="*/ 0 60000 65536"/>
-                <a:gd name="T15" fmla="*/ 0 w 148"/>
-                <a:gd name="T16" fmla="*/ 0 h 426"/>
-                <a:gd name="T17" fmla="*/ 148 w 148"/>
-                <a:gd name="T18" fmla="*/ 426 h 426"/>
-              </a:gdLst>
-              <a:ahLst/>
-              <a:cxnLst>
-                <a:cxn ang="T10">
-                  <a:pos x="T0" y="T1"/>
-                </a:cxn>
-                <a:cxn ang="T11">
-                  <a:pos x="T2" y="T3"/>
-                </a:cxn>
-                <a:cxn ang="T12">
-                  <a:pos x="T4" y="T5"/>
-                </a:cxn>
-                <a:cxn ang="T13">
-                  <a:pos x="T6" y="T7"/>
-                </a:cxn>
-                <a:cxn ang="T14">
-                  <a:pos x="T8" y="T9"/>
-                </a:cxn>
-              </a:cxnLst>
-              <a:rect l="T15" t="T16" r="T17" b="T18"/>
-              <a:pathLst>
-                <a:path w="148" h="426">
-                  <a:moveTo>
-                    <a:pt x="0" y="0"/>
-                  </a:moveTo>
-                  <a:lnTo>
-                    <a:pt x="147" y="0"/>
-                  </a:lnTo>
-                  <a:lnTo>
-                    <a:pt x="123" y="425"/>
-                  </a:lnTo>
-                  <a:lnTo>
-                    <a:pt x="21" y="425"/>
-                  </a:lnTo>
-                  <a:lnTo>
-                    <a:pt x="0" y="0"/>
-                  </a:lnTo>
-                </a:path>
-              </a:pathLst>
-            </a:custGeom>
-            <a:solidFill>
-              <a:schemeClr val="bg1"/>
-            </a:solidFill>
-            <a:ln w="12700" cap="rnd">
-              <a:solidFill>
-                <a:schemeClr val="tx1"/>
-              </a:solidFill>
-              <a:round/>
-              <a:headEnd/>
-              <a:tailEnd/>
-            </a:ln>
-          </p:spPr>
-          <p:txBody>
-            <a:bodyPr/>
-            <a:lstStyle/>
-            <a:p>
-              <a:endParaRPr lang="en-US"/>
-            </a:p>
-          </p:txBody>
-        </p:sp>
-        <p:sp>
-          <p:nvSpPr>
-            <p:cNvPr id="55" name="Rectangle 25">
-              <a:extLst>
-                <a:ext uri="{FF2B5EF4-FFF2-40B4-BE49-F238E27FC236}">
-                  <a16:creationId xmlns:a16="http://schemas.microsoft.com/office/drawing/2014/main" id="{0729B099-830C-4654-87E8-B3D2B212C768}"/>
-                </a:ext>
-              </a:extLst>
-            </p:cNvPr>
-            <p:cNvSpPr>
-              <a:spLocks noChangeArrowheads="1"/>
-            </p:cNvSpPr>
-            <p:nvPr/>
-          </p:nvSpPr>
-          <p:spPr bwMode="auto">
-            <a:xfrm>
-              <a:off x="5456" y="3510"/>
-              <a:ext cx="101" cy="109"/>
-            </a:xfrm>
-            <a:prstGeom prst="rect">
-              <a:avLst/>
-            </a:prstGeom>
-            <a:solidFill>
-              <a:schemeClr val="bg1"/>
-            </a:solidFill>
-            <a:ln w="12700">
-              <a:solidFill>
-                <a:schemeClr val="tx1"/>
-              </a:solidFill>
-              <a:miter lim="800000"/>
-              <a:headEnd/>
-              <a:tailEnd/>
-            </a:ln>
-          </p:spPr>
-          <p:txBody>
-            <a:bodyPr wrap="none" anchor="ctr"/>
-            <a:lstStyle>
-              <a:lvl1pPr eaLnBrk="0" hangingPunct="0">
-                <a:defRPr>
-                  <a:solidFill>
-                    <a:schemeClr val="tx1"/>
-                  </a:solidFill>
-                  <a:latin typeface="Arial" panose="020B0604020202020204" pitchFamily="34" charset="0"/>
-                  <a:ea typeface="ＭＳ Ｐゴシック" panose="020B0600070205080204" pitchFamily="34" charset="-128"/>
-                </a:defRPr>
-              </a:lvl1pPr>
-              <a:lvl2pPr marL="742950" indent="-285750" eaLnBrk="0" hangingPunct="0">
-                <a:defRPr>
-                  <a:solidFill>
-                    <a:schemeClr val="tx1"/>
-                  </a:solidFill>
-                  <a:latin typeface="Arial" panose="020B0604020202020204" pitchFamily="34" charset="0"/>
-                  <a:ea typeface="ＭＳ Ｐゴシック" panose="020B0600070205080204" pitchFamily="34" charset="-128"/>
-                </a:defRPr>
-              </a:lvl2pPr>
-              <a:lvl3pPr marL="1143000" indent="-228600" eaLnBrk="0" hangingPunct="0">
-                <a:defRPr>
-                  <a:solidFill>
-                    <a:schemeClr val="tx1"/>
-                  </a:solidFill>
-                  <a:latin typeface="Arial" panose="020B0604020202020204" pitchFamily="34" charset="0"/>
-                  <a:ea typeface="ＭＳ Ｐゴシック" panose="020B0600070205080204" pitchFamily="34" charset="-128"/>
-                </a:defRPr>
-              </a:lvl3pPr>
-              <a:lvl4pPr marL="1600200" indent="-228600" eaLnBrk="0" hangingPunct="0">
-                <a:defRPr>
-                  <a:solidFill>
-                    <a:schemeClr val="tx1"/>
-                  </a:solidFill>
-                  <a:latin typeface="Arial" panose="020B0604020202020204" pitchFamily="34" charset="0"/>
-                  <a:ea typeface="ＭＳ Ｐゴシック" panose="020B0600070205080204" pitchFamily="34" charset="-128"/>
-                </a:defRPr>
-              </a:lvl4pPr>
-              <a:lvl5pPr marL="2057400" indent="-228600" eaLnBrk="0" hangingPunct="0">
-                <a:defRPr>
-                  <a:solidFill>
-                    <a:schemeClr val="tx1"/>
-                  </a:solidFill>
-                  <a:latin typeface="Arial" panose="020B0604020202020204" pitchFamily="34" charset="0"/>
-                  <a:ea typeface="ＭＳ Ｐゴシック" panose="020B0600070205080204" pitchFamily="34" charset="-128"/>
-                </a:defRPr>
-              </a:lvl5pPr>
-              <a:lvl6pPr marL="2514600" indent="-228600" eaLnBrk="0" fontAlgn="base" hangingPunct="0">
-                <a:spcBef>
-                  <a:spcPct val="0"/>
-                </a:spcBef>
-                <a:spcAft>
-                  <a:spcPct val="0"/>
-                </a:spcAft>
-                <a:defRPr>
-                  <a:solidFill>
-                    <a:schemeClr val="tx1"/>
-                  </a:solidFill>
-                  <a:latin typeface="Arial" panose="020B0604020202020204" pitchFamily="34" charset="0"/>
-                  <a:ea typeface="ＭＳ Ｐゴシック" panose="020B0600070205080204" pitchFamily="34" charset="-128"/>
-                </a:defRPr>
-              </a:lvl6pPr>
-              <a:lvl7pPr marL="2971800" indent="-228600" eaLnBrk="0" fontAlgn="base" hangingPunct="0">
-                <a:spcBef>
-                  <a:spcPct val="0"/>
-                </a:spcBef>
-                <a:spcAft>
-                  <a:spcPct val="0"/>
-                </a:spcAft>
-                <a:defRPr>
-                  <a:solidFill>
-                    <a:schemeClr val="tx1"/>
-                  </a:solidFill>
-                  <a:latin typeface="Arial" panose="020B0604020202020204" pitchFamily="34" charset="0"/>
-                  <a:ea typeface="ＭＳ Ｐゴシック" panose="020B0600070205080204" pitchFamily="34" charset="-128"/>
-                </a:defRPr>
-              </a:lvl7pPr>
-              <a:lvl8pPr marL="3429000" indent="-228600" eaLnBrk="0" fontAlgn="base" hangingPunct="0">
-                <a:spcBef>
-                  <a:spcPct val="0"/>
-                </a:spcBef>
-                <a:spcAft>
-                  <a:spcPct val="0"/>
-                </a:spcAft>
-                <a:defRPr>
-                  <a:solidFill>
-                    <a:schemeClr val="tx1"/>
-                  </a:solidFill>
-                  <a:latin typeface="Arial" panose="020B0604020202020204" pitchFamily="34" charset="0"/>
-                  <a:ea typeface="ＭＳ Ｐゴシック" panose="020B0600070205080204" pitchFamily="34" charset="-128"/>
-                </a:defRPr>
-              </a:lvl8pPr>
-              <a:lvl9pPr marL="3886200" indent="-228600" eaLnBrk="0" fontAlgn="base" hangingPunct="0">
-                <a:spcBef>
-                  <a:spcPct val="0"/>
-                </a:spcBef>
-                <a:spcAft>
-                  <a:spcPct val="0"/>
-                </a:spcAft>
-                <a:defRPr>
-                  <a:solidFill>
-                    <a:schemeClr val="tx1"/>
-                  </a:solidFill>
-                  <a:latin typeface="Arial" panose="020B0604020202020204" pitchFamily="34" charset="0"/>
-                  <a:ea typeface="ＭＳ Ｐゴシック" panose="020B0600070205080204" pitchFamily="34" charset="-128"/>
-                </a:defRPr>
-              </a:lvl9pPr>
-            </a:lstStyle>
-            <a:p>
-              <a:pPr eaLnBrk="1" hangingPunct="1"/>
-              <a:endParaRPr lang="en-US" altLang="en-US"/>
-            </a:p>
-          </p:txBody>
-        </p:sp>
-        <p:sp>
-          <p:nvSpPr>
-            <p:cNvPr id="57" name="Rectangle 26">
-              <a:extLst>
-                <a:ext uri="{FF2B5EF4-FFF2-40B4-BE49-F238E27FC236}">
-                  <a16:creationId xmlns:a16="http://schemas.microsoft.com/office/drawing/2014/main" id="{67C47B4D-578D-4D2D-9BF9-3167E9CDD5FC}"/>
-                </a:ext>
-              </a:extLst>
-            </p:cNvPr>
-            <p:cNvSpPr>
-              <a:spLocks noChangeArrowheads="1"/>
-            </p:cNvSpPr>
-            <p:nvPr/>
-          </p:nvSpPr>
-          <p:spPr bwMode="auto">
-            <a:xfrm>
-              <a:off x="5437" y="3779"/>
-              <a:ext cx="138" cy="18"/>
-            </a:xfrm>
-            <a:prstGeom prst="rect">
-              <a:avLst/>
-            </a:prstGeom>
-            <a:solidFill>
-              <a:schemeClr val="bg1"/>
-            </a:solidFill>
-            <a:ln>
-              <a:noFill/>
-            </a:ln>
-            <a:extLst>
-              <a:ext uri="{91240B29-F687-4F45-9708-019B960494DF}">
-                <a14:hiddenLine xmlns:a14="http://schemas.microsoft.com/office/drawing/2010/main" w="12700">
-                  <a:solidFill>
-                    <a:srgbClr val="000000"/>
-                  </a:solidFill>
-                  <a:miter lim="800000"/>
-                  <a:headEnd/>
-                  <a:tailEnd/>
-                </a14:hiddenLine>
-              </a:ext>
-            </a:extLst>
-          </p:spPr>
-          <p:txBody>
-            <a:bodyPr wrap="none" anchor="ctr"/>
-            <a:lstStyle>
-              <a:lvl1pPr eaLnBrk="0" hangingPunct="0">
-                <a:defRPr>
-                  <a:solidFill>
-                    <a:schemeClr val="tx1"/>
-                  </a:solidFill>
-                  <a:latin typeface="Arial" panose="020B0604020202020204" pitchFamily="34" charset="0"/>
-                  <a:ea typeface="ＭＳ Ｐゴシック" panose="020B0600070205080204" pitchFamily="34" charset="-128"/>
-                </a:defRPr>
-              </a:lvl1pPr>
-              <a:lvl2pPr marL="742950" indent="-285750" eaLnBrk="0" hangingPunct="0">
-                <a:defRPr>
-                  <a:solidFill>
-                    <a:schemeClr val="tx1"/>
-                  </a:solidFill>
-                  <a:latin typeface="Arial" panose="020B0604020202020204" pitchFamily="34" charset="0"/>
-                  <a:ea typeface="ＭＳ Ｐゴシック" panose="020B0600070205080204" pitchFamily="34" charset="-128"/>
-                </a:defRPr>
-              </a:lvl2pPr>
-              <a:lvl3pPr marL="1143000" indent="-228600" eaLnBrk="0" hangingPunct="0">
-                <a:defRPr>
-                  <a:solidFill>
-                    <a:schemeClr val="tx1"/>
-                  </a:solidFill>
-                  <a:latin typeface="Arial" panose="020B0604020202020204" pitchFamily="34" charset="0"/>
-                  <a:ea typeface="ＭＳ Ｐゴシック" panose="020B0600070205080204" pitchFamily="34" charset="-128"/>
-                </a:defRPr>
-              </a:lvl3pPr>
-              <a:lvl4pPr marL="1600200" indent="-228600" eaLnBrk="0" hangingPunct="0">
-                <a:defRPr>
-                  <a:solidFill>
-                    <a:schemeClr val="tx1"/>
-                  </a:solidFill>
-                  <a:latin typeface="Arial" panose="020B0604020202020204" pitchFamily="34" charset="0"/>
-                  <a:ea typeface="ＭＳ Ｐゴシック" panose="020B0600070205080204" pitchFamily="34" charset="-128"/>
-                </a:defRPr>
-              </a:lvl4pPr>
-              <a:lvl5pPr marL="2057400" indent="-228600" eaLnBrk="0" hangingPunct="0">
-                <a:defRPr>
-                  <a:solidFill>
-                    <a:schemeClr val="tx1"/>
-                  </a:solidFill>
-                  <a:latin typeface="Arial" panose="020B0604020202020204" pitchFamily="34" charset="0"/>
-                  <a:ea typeface="ＭＳ Ｐゴシック" panose="020B0600070205080204" pitchFamily="34" charset="-128"/>
-                </a:defRPr>
-              </a:lvl5pPr>
-              <a:lvl6pPr marL="2514600" indent="-228600" eaLnBrk="0" fontAlgn="base" hangingPunct="0">
-                <a:spcBef>
-                  <a:spcPct val="0"/>
-                </a:spcBef>
-                <a:spcAft>
-                  <a:spcPct val="0"/>
-                </a:spcAft>
-                <a:defRPr>
-                  <a:solidFill>
-                    <a:schemeClr val="tx1"/>
-                  </a:solidFill>
-                  <a:latin typeface="Arial" panose="020B0604020202020204" pitchFamily="34" charset="0"/>
-                  <a:ea typeface="ＭＳ Ｐゴシック" panose="020B0600070205080204" pitchFamily="34" charset="-128"/>
-                </a:defRPr>
-              </a:lvl6pPr>
-              <a:lvl7pPr marL="2971800" indent="-228600" eaLnBrk="0" fontAlgn="base" hangingPunct="0">
-                <a:spcBef>
-                  <a:spcPct val="0"/>
-                </a:spcBef>
-                <a:spcAft>
-                  <a:spcPct val="0"/>
-                </a:spcAft>
-                <a:defRPr>
-                  <a:solidFill>
-                    <a:schemeClr val="tx1"/>
-                  </a:solidFill>
-                  <a:latin typeface="Arial" panose="020B0604020202020204" pitchFamily="34" charset="0"/>
-                  <a:ea typeface="ＭＳ Ｐゴシック" panose="020B0600070205080204" pitchFamily="34" charset="-128"/>
-                </a:defRPr>
-              </a:lvl7pPr>
-              <a:lvl8pPr marL="3429000" indent="-228600" eaLnBrk="0" fontAlgn="base" hangingPunct="0">
-                <a:spcBef>
-                  <a:spcPct val="0"/>
-                </a:spcBef>
-                <a:spcAft>
-                  <a:spcPct val="0"/>
-                </a:spcAft>
-                <a:defRPr>
-                  <a:solidFill>
-                    <a:schemeClr val="tx1"/>
-                  </a:solidFill>
-                  <a:latin typeface="Arial" panose="020B0604020202020204" pitchFamily="34" charset="0"/>
-                  <a:ea typeface="ＭＳ Ｐゴシック" panose="020B0600070205080204" pitchFamily="34" charset="-128"/>
-                </a:defRPr>
-              </a:lvl8pPr>
-              <a:lvl9pPr marL="3886200" indent="-228600" eaLnBrk="0" fontAlgn="base" hangingPunct="0">
-                <a:spcBef>
-                  <a:spcPct val="0"/>
-                </a:spcBef>
-                <a:spcAft>
-                  <a:spcPct val="0"/>
-                </a:spcAft>
-                <a:defRPr>
-                  <a:solidFill>
-                    <a:schemeClr val="tx1"/>
-                  </a:solidFill>
-                  <a:latin typeface="Arial" panose="020B0604020202020204" pitchFamily="34" charset="0"/>
-                  <a:ea typeface="ＭＳ Ｐゴシック" panose="020B0600070205080204" pitchFamily="34" charset="-128"/>
-                </a:defRPr>
-              </a:lvl9pPr>
-            </a:lstStyle>
-            <a:p>
-              <a:pPr eaLnBrk="1" hangingPunct="1"/>
-              <a:endParaRPr lang="en-US" altLang="en-US"/>
-            </a:p>
-          </p:txBody>
-        </p:sp>
-        <p:sp>
-          <p:nvSpPr>
-            <p:cNvPr id="58" name="Rectangle 27">
-              <a:extLst>
-                <a:ext uri="{FF2B5EF4-FFF2-40B4-BE49-F238E27FC236}">
-                  <a16:creationId xmlns:a16="http://schemas.microsoft.com/office/drawing/2014/main" id="{2542773A-E356-4762-A56D-25160F7BA89F}"/>
-                </a:ext>
-              </a:extLst>
-            </p:cNvPr>
-            <p:cNvSpPr>
-              <a:spLocks noChangeArrowheads="1"/>
-            </p:cNvSpPr>
-            <p:nvPr/>
-          </p:nvSpPr>
-          <p:spPr bwMode="auto">
-            <a:xfrm>
-              <a:off x="5469" y="3609"/>
-              <a:ext cx="76" cy="19"/>
-            </a:xfrm>
-            <a:prstGeom prst="rect">
-              <a:avLst/>
-            </a:prstGeom>
-            <a:solidFill>
-              <a:schemeClr val="bg1"/>
-            </a:solidFill>
-            <a:ln w="12700">
-              <a:solidFill>
-                <a:schemeClr val="bg1"/>
-              </a:solidFill>
-              <a:miter lim="800000"/>
-              <a:headEnd/>
-              <a:tailEnd/>
-            </a:ln>
-          </p:spPr>
-          <p:txBody>
-            <a:bodyPr wrap="none" anchor="ctr"/>
-            <a:lstStyle>
-              <a:lvl1pPr eaLnBrk="0" hangingPunct="0">
-                <a:defRPr>
-                  <a:solidFill>
-                    <a:schemeClr val="tx1"/>
-                  </a:solidFill>
-                  <a:latin typeface="Arial" panose="020B0604020202020204" pitchFamily="34" charset="0"/>
-                  <a:ea typeface="ＭＳ Ｐゴシック" panose="020B0600070205080204" pitchFamily="34" charset="-128"/>
-                </a:defRPr>
-              </a:lvl1pPr>
-              <a:lvl2pPr marL="742950" indent="-285750" eaLnBrk="0" hangingPunct="0">
-                <a:defRPr>
-                  <a:solidFill>
-                    <a:schemeClr val="tx1"/>
-                  </a:solidFill>
-                  <a:latin typeface="Arial" panose="020B0604020202020204" pitchFamily="34" charset="0"/>
-                  <a:ea typeface="ＭＳ Ｐゴシック" panose="020B0600070205080204" pitchFamily="34" charset="-128"/>
-                </a:defRPr>
-              </a:lvl2pPr>
-              <a:lvl3pPr marL="1143000" indent="-228600" eaLnBrk="0" hangingPunct="0">
-                <a:defRPr>
-                  <a:solidFill>
-                    <a:schemeClr val="tx1"/>
-                  </a:solidFill>
-                  <a:latin typeface="Arial" panose="020B0604020202020204" pitchFamily="34" charset="0"/>
-                  <a:ea typeface="ＭＳ Ｐゴシック" panose="020B0600070205080204" pitchFamily="34" charset="-128"/>
-                </a:defRPr>
-              </a:lvl3pPr>
-              <a:lvl4pPr marL="1600200" indent="-228600" eaLnBrk="0" hangingPunct="0">
-                <a:defRPr>
-                  <a:solidFill>
-                    <a:schemeClr val="tx1"/>
-                  </a:solidFill>
-                  <a:latin typeface="Arial" panose="020B0604020202020204" pitchFamily="34" charset="0"/>
-                  <a:ea typeface="ＭＳ Ｐゴシック" panose="020B0600070205080204" pitchFamily="34" charset="-128"/>
-                </a:defRPr>
-              </a:lvl4pPr>
-              <a:lvl5pPr marL="2057400" indent="-228600" eaLnBrk="0" hangingPunct="0">
-                <a:defRPr>
-                  <a:solidFill>
-                    <a:schemeClr val="tx1"/>
-                  </a:solidFill>
-                  <a:latin typeface="Arial" panose="020B0604020202020204" pitchFamily="34" charset="0"/>
-                  <a:ea typeface="ＭＳ Ｐゴシック" panose="020B0600070205080204" pitchFamily="34" charset="-128"/>
-                </a:defRPr>
-              </a:lvl5pPr>
-              <a:lvl6pPr marL="2514600" indent="-228600" eaLnBrk="0" fontAlgn="base" hangingPunct="0">
-                <a:spcBef>
-                  <a:spcPct val="0"/>
-                </a:spcBef>
-                <a:spcAft>
-                  <a:spcPct val="0"/>
-                </a:spcAft>
-                <a:defRPr>
-                  <a:solidFill>
-                    <a:schemeClr val="tx1"/>
-                  </a:solidFill>
-                  <a:latin typeface="Arial" panose="020B0604020202020204" pitchFamily="34" charset="0"/>
-                  <a:ea typeface="ＭＳ Ｐゴシック" panose="020B0600070205080204" pitchFamily="34" charset="-128"/>
-                </a:defRPr>
-              </a:lvl6pPr>
-              <a:lvl7pPr marL="2971800" indent="-228600" eaLnBrk="0" fontAlgn="base" hangingPunct="0">
-                <a:spcBef>
-                  <a:spcPct val="0"/>
-                </a:spcBef>
-                <a:spcAft>
-                  <a:spcPct val="0"/>
-                </a:spcAft>
-                <a:defRPr>
-                  <a:solidFill>
-                    <a:schemeClr val="tx1"/>
-                  </a:solidFill>
-                  <a:latin typeface="Arial" panose="020B0604020202020204" pitchFamily="34" charset="0"/>
-                  <a:ea typeface="ＭＳ Ｐゴシック" panose="020B0600070205080204" pitchFamily="34" charset="-128"/>
-                </a:defRPr>
-              </a:lvl7pPr>
-              <a:lvl8pPr marL="3429000" indent="-228600" eaLnBrk="0" fontAlgn="base" hangingPunct="0">
-                <a:spcBef>
-                  <a:spcPct val="0"/>
-                </a:spcBef>
-                <a:spcAft>
-                  <a:spcPct val="0"/>
-                </a:spcAft>
-                <a:defRPr>
-                  <a:solidFill>
-                    <a:schemeClr val="tx1"/>
-                  </a:solidFill>
-                  <a:latin typeface="Arial" panose="020B0604020202020204" pitchFamily="34" charset="0"/>
-                  <a:ea typeface="ＭＳ Ｐゴシック" panose="020B0600070205080204" pitchFamily="34" charset="-128"/>
-                </a:defRPr>
-              </a:lvl8pPr>
-              <a:lvl9pPr marL="3886200" indent="-228600" eaLnBrk="0" fontAlgn="base" hangingPunct="0">
-                <a:spcBef>
-                  <a:spcPct val="0"/>
-                </a:spcBef>
-                <a:spcAft>
-                  <a:spcPct val="0"/>
-                </a:spcAft>
-                <a:defRPr>
-                  <a:solidFill>
-                    <a:schemeClr val="tx1"/>
-                  </a:solidFill>
-                  <a:latin typeface="Arial" panose="020B0604020202020204" pitchFamily="34" charset="0"/>
-                  <a:ea typeface="ＭＳ Ｐゴシック" panose="020B0600070205080204" pitchFamily="34" charset="-128"/>
-                </a:defRPr>
-              </a:lvl9pPr>
-            </a:lstStyle>
-            <a:p>
-              <a:pPr eaLnBrk="1" hangingPunct="1"/>
-              <a:endParaRPr lang="en-US" altLang="en-US"/>
-            </a:p>
-          </p:txBody>
-        </p:sp>
-        <p:sp>
-          <p:nvSpPr>
-            <p:cNvPr id="59" name="Rectangle 28">
-              <a:extLst>
-                <a:ext uri="{FF2B5EF4-FFF2-40B4-BE49-F238E27FC236}">
-                  <a16:creationId xmlns:a16="http://schemas.microsoft.com/office/drawing/2014/main" id="{07C0AB61-B8F8-4167-B722-163D165AC36D}"/>
-                </a:ext>
-              </a:extLst>
-            </p:cNvPr>
-            <p:cNvSpPr>
-              <a:spLocks noChangeArrowheads="1"/>
-            </p:cNvSpPr>
-            <p:nvPr/>
-          </p:nvSpPr>
-          <p:spPr bwMode="auto">
-            <a:xfrm>
-              <a:off x="5467" y="3504"/>
-              <a:ext cx="78" cy="10"/>
-            </a:xfrm>
-            <a:prstGeom prst="rect">
-              <a:avLst/>
-            </a:prstGeom>
-            <a:solidFill>
-              <a:schemeClr val="bg1"/>
-            </a:solidFill>
-            <a:ln w="12700">
-              <a:solidFill>
-                <a:schemeClr val="bg1"/>
-              </a:solidFill>
-              <a:miter lim="800000"/>
-              <a:headEnd/>
-              <a:tailEnd/>
-            </a:ln>
-          </p:spPr>
-          <p:txBody>
-            <a:bodyPr wrap="none" anchor="ctr"/>
-            <a:lstStyle>
-              <a:lvl1pPr eaLnBrk="0" hangingPunct="0">
-                <a:defRPr>
-                  <a:solidFill>
-                    <a:schemeClr val="tx1"/>
-                  </a:solidFill>
-                  <a:latin typeface="Arial" panose="020B0604020202020204" pitchFamily="34" charset="0"/>
-                  <a:ea typeface="ＭＳ Ｐゴシック" panose="020B0600070205080204" pitchFamily="34" charset="-128"/>
-                </a:defRPr>
-              </a:lvl1pPr>
-              <a:lvl2pPr marL="742950" indent="-285750" eaLnBrk="0" hangingPunct="0">
-                <a:defRPr>
-                  <a:solidFill>
-                    <a:schemeClr val="tx1"/>
-                  </a:solidFill>
-                  <a:latin typeface="Arial" panose="020B0604020202020204" pitchFamily="34" charset="0"/>
-                  <a:ea typeface="ＭＳ Ｐゴシック" panose="020B0600070205080204" pitchFamily="34" charset="-128"/>
-                </a:defRPr>
-              </a:lvl2pPr>
-              <a:lvl3pPr marL="1143000" indent="-228600" eaLnBrk="0" hangingPunct="0">
-                <a:defRPr>
-                  <a:solidFill>
-                    <a:schemeClr val="tx1"/>
-                  </a:solidFill>
-                  <a:latin typeface="Arial" panose="020B0604020202020204" pitchFamily="34" charset="0"/>
-                  <a:ea typeface="ＭＳ Ｐゴシック" panose="020B0600070205080204" pitchFamily="34" charset="-128"/>
-                </a:defRPr>
-              </a:lvl3pPr>
-              <a:lvl4pPr marL="1600200" indent="-228600" eaLnBrk="0" hangingPunct="0">
-                <a:defRPr>
-                  <a:solidFill>
-                    <a:schemeClr val="tx1"/>
-                  </a:solidFill>
-                  <a:latin typeface="Arial" panose="020B0604020202020204" pitchFamily="34" charset="0"/>
-                  <a:ea typeface="ＭＳ Ｐゴシック" panose="020B0600070205080204" pitchFamily="34" charset="-128"/>
-                </a:defRPr>
-              </a:lvl4pPr>
-              <a:lvl5pPr marL="2057400" indent="-228600" eaLnBrk="0" hangingPunct="0">
-                <a:defRPr>
-                  <a:solidFill>
-                    <a:schemeClr val="tx1"/>
-                  </a:solidFill>
-                  <a:latin typeface="Arial" panose="020B0604020202020204" pitchFamily="34" charset="0"/>
-                  <a:ea typeface="ＭＳ Ｐゴシック" panose="020B0600070205080204" pitchFamily="34" charset="-128"/>
-                </a:defRPr>
-              </a:lvl5pPr>
-              <a:lvl6pPr marL="2514600" indent="-228600" eaLnBrk="0" fontAlgn="base" hangingPunct="0">
-                <a:spcBef>
-                  <a:spcPct val="0"/>
-                </a:spcBef>
-                <a:spcAft>
-                  <a:spcPct val="0"/>
-                </a:spcAft>
-                <a:defRPr>
-                  <a:solidFill>
-                    <a:schemeClr val="tx1"/>
-                  </a:solidFill>
-                  <a:latin typeface="Arial" panose="020B0604020202020204" pitchFamily="34" charset="0"/>
-                  <a:ea typeface="ＭＳ Ｐゴシック" panose="020B0600070205080204" pitchFamily="34" charset="-128"/>
-                </a:defRPr>
-              </a:lvl6pPr>
-              <a:lvl7pPr marL="2971800" indent="-228600" eaLnBrk="0" fontAlgn="base" hangingPunct="0">
-                <a:spcBef>
-                  <a:spcPct val="0"/>
-                </a:spcBef>
-                <a:spcAft>
-                  <a:spcPct val="0"/>
-                </a:spcAft>
-                <a:defRPr>
-                  <a:solidFill>
-                    <a:schemeClr val="tx1"/>
-                  </a:solidFill>
-                  <a:latin typeface="Arial" panose="020B0604020202020204" pitchFamily="34" charset="0"/>
-                  <a:ea typeface="ＭＳ Ｐゴシック" panose="020B0600070205080204" pitchFamily="34" charset="-128"/>
-                </a:defRPr>
-              </a:lvl7pPr>
-              <a:lvl8pPr marL="3429000" indent="-228600" eaLnBrk="0" fontAlgn="base" hangingPunct="0">
-                <a:spcBef>
-                  <a:spcPct val="0"/>
-                </a:spcBef>
-                <a:spcAft>
-                  <a:spcPct val="0"/>
-                </a:spcAft>
-                <a:defRPr>
-                  <a:solidFill>
-                    <a:schemeClr val="tx1"/>
-                  </a:solidFill>
-                  <a:latin typeface="Arial" panose="020B0604020202020204" pitchFamily="34" charset="0"/>
-                  <a:ea typeface="ＭＳ Ｐゴシック" panose="020B0600070205080204" pitchFamily="34" charset="-128"/>
-                </a:defRPr>
-              </a:lvl8pPr>
-              <a:lvl9pPr marL="3886200" indent="-228600" eaLnBrk="0" fontAlgn="base" hangingPunct="0">
-                <a:spcBef>
-                  <a:spcPct val="0"/>
-                </a:spcBef>
-                <a:spcAft>
-                  <a:spcPct val="0"/>
-                </a:spcAft>
-                <a:defRPr>
-                  <a:solidFill>
-                    <a:schemeClr val="tx1"/>
-                  </a:solidFill>
-                  <a:latin typeface="Arial" panose="020B0604020202020204" pitchFamily="34" charset="0"/>
-                  <a:ea typeface="ＭＳ Ｐゴシック" panose="020B0600070205080204" pitchFamily="34" charset="-128"/>
-                </a:defRPr>
-              </a:lvl9pPr>
-            </a:lstStyle>
-            <a:p>
-              <a:pPr eaLnBrk="1" hangingPunct="1"/>
-              <a:endParaRPr lang="en-US" altLang="en-US"/>
-            </a:p>
-          </p:txBody>
-        </p:sp>
-      </p:grpSp>
       <p:sp>
         <p:nvSpPr>
           <p:cNvPr id="60" name="TextBox 59">
@@ -8750,7 +7690,7 @@
         </p:nvSpPr>
         <p:spPr>
           <a:xfrm>
-            <a:off x="6669295" y="4782314"/>
+            <a:off x="6188786" y="4812795"/>
             <a:ext cx="533400" cy="369332"/>
           </a:xfrm>
           <a:prstGeom prst="rect">
@@ -8785,7 +7725,7 @@
         </p:nvSpPr>
         <p:spPr>
           <a:xfrm>
-            <a:off x="1526091" y="5392220"/>
+            <a:off x="897594" y="5107247"/>
             <a:ext cx="533400" cy="369332"/>
           </a:xfrm>
           <a:prstGeom prst="rect">
@@ -8820,7 +7760,7 @@
         </p:nvSpPr>
         <p:spPr>
           <a:xfrm>
-            <a:off x="316837" y="4648098"/>
+            <a:off x="4265691" y="4573408"/>
             <a:ext cx="533400" cy="369332"/>
           </a:xfrm>
           <a:prstGeom prst="rect">
@@ -8855,7 +7795,7 @@
         </p:nvSpPr>
         <p:spPr>
           <a:xfrm>
-            <a:off x="4411268" y="4648098"/>
+            <a:off x="3628403" y="4510453"/>
             <a:ext cx="533400" cy="369332"/>
           </a:xfrm>
           <a:prstGeom prst="rect">
@@ -8890,7 +7830,7 @@
         </p:nvSpPr>
         <p:spPr>
           <a:xfrm>
-            <a:off x="3820551" y="4586876"/>
+            <a:off x="3121621" y="4506312"/>
             <a:ext cx="533400" cy="369332"/>
           </a:xfrm>
           <a:prstGeom prst="rect">
@@ -8925,7 +7865,7 @@
         </p:nvSpPr>
         <p:spPr>
           <a:xfrm>
-            <a:off x="3147075" y="4609865"/>
+            <a:off x="5662599" y="4865738"/>
             <a:ext cx="464662" cy="381823"/>
           </a:xfrm>
           <a:prstGeom prst="rect">
@@ -9576,7 +8516,7 @@
         </p:nvSpPr>
         <p:spPr>
           <a:xfrm>
-            <a:off x="937391" y="5365752"/>
+            <a:off x="513660" y="4496406"/>
             <a:ext cx="533400" cy="369332"/>
           </a:xfrm>
           <a:prstGeom prst="rect">
@@ -10978,7 +9918,7 @@
         </p:nvCxnSpPr>
         <p:spPr>
           <a:xfrm flipH="1">
-            <a:off x="5773106" y="9079468"/>
+            <a:off x="5772945" y="9089886"/>
             <a:ext cx="533399" cy="1"/>
           </a:xfrm>
           <a:prstGeom prst="line">
@@ -11473,6 +10413,376 @@
           </p:txBody>
         </p:sp>
       </p:grpSp>
+      <p:sp>
+        <p:nvSpPr>
+          <p:cNvPr id="104" name="TextBox 103">
+            <a:extLst>
+              <a:ext uri="{FF2B5EF4-FFF2-40B4-BE49-F238E27FC236}">
+                <a16:creationId xmlns:a16="http://schemas.microsoft.com/office/drawing/2014/main" id="{A6366D6C-E40A-A946-A66C-CAECBA67C43B}"/>
+              </a:ext>
+            </a:extLst>
+          </p:cNvPr>
+          <p:cNvSpPr txBox="1"/>
+          <p:nvPr/>
+        </p:nvSpPr>
+        <p:spPr>
+          <a:xfrm>
+            <a:off x="1537989" y="5290221"/>
+            <a:ext cx="533400" cy="369332"/>
+          </a:xfrm>
+          <a:prstGeom prst="rect">
+            <a:avLst/>
+          </a:prstGeom>
+          <a:noFill/>
+        </p:spPr>
+        <p:txBody>
+          <a:bodyPr wrap="square" rtlCol="0">
+            <a:spAutoFit/>
+          </a:bodyPr>
+          <a:lstStyle/>
+          <a:p>
+            <a:r>
+              <a:rPr lang="en-US" b="1"/>
+              <a:t>T9</a:t>
+            </a:r>
+            <a:endParaRPr lang="en-US" b="1" dirty="0"/>
+          </a:p>
+        </p:txBody>
+      </p:sp>
+      <p:grpSp>
+        <p:nvGrpSpPr>
+          <p:cNvPr id="105" name="Group 29">
+            <a:extLst>
+              <a:ext uri="{FF2B5EF4-FFF2-40B4-BE49-F238E27FC236}">
+                <a16:creationId xmlns:a16="http://schemas.microsoft.com/office/drawing/2014/main" id="{5B2016E5-388D-FD47-B254-C9B3F7735906}"/>
+              </a:ext>
+            </a:extLst>
+          </p:cNvPr>
+          <p:cNvGrpSpPr>
+            <a:grpSpLocks/>
+          </p:cNvGrpSpPr>
+          <p:nvPr/>
+        </p:nvGrpSpPr>
+        <p:grpSpPr bwMode="auto">
+          <a:xfrm>
+            <a:off x="6295231" y="5196415"/>
+            <a:ext cx="287338" cy="790575"/>
+            <a:chOff x="528" y="240"/>
+            <a:chExt cx="181" cy="498"/>
+          </a:xfrm>
+        </p:grpSpPr>
+        <p:sp>
+          <p:nvSpPr>
+            <p:cNvPr id="106" name="Line 30">
+              <a:extLst>
+                <a:ext uri="{FF2B5EF4-FFF2-40B4-BE49-F238E27FC236}">
+                  <a16:creationId xmlns:a16="http://schemas.microsoft.com/office/drawing/2014/main" id="{FE4CDA17-2781-EE48-B910-383FAA9F7505}"/>
+                </a:ext>
+              </a:extLst>
+            </p:cNvPr>
+            <p:cNvSpPr>
+              <a:spLocks noChangeShapeType="1"/>
+            </p:cNvSpPr>
+            <p:nvPr/>
+          </p:nvSpPr>
+          <p:spPr bwMode="auto">
+            <a:xfrm>
+              <a:off x="535" y="485"/>
+              <a:ext cx="0" cy="253"/>
+            </a:xfrm>
+            <a:prstGeom prst="line">
+              <a:avLst/>
+            </a:prstGeom>
+            <a:noFill/>
+            <a:ln w="28575">
+              <a:solidFill>
+                <a:schemeClr val="tx1"/>
+              </a:solidFill>
+              <a:round/>
+              <a:headEnd/>
+              <a:tailEnd/>
+            </a:ln>
+            <a:extLst>
+              <a:ext uri="{909E8E84-426E-40DD-AFC4-6F175D3DCCD1}">
+                <a14:hiddenFill xmlns:a14="http://schemas.microsoft.com/office/drawing/2010/main">
+                  <a:noFill/>
+                </a14:hiddenFill>
+              </a:ext>
+            </a:extLst>
+          </p:spPr>
+          <p:txBody>
+            <a:bodyPr wrap="none" anchor="ctr"/>
+            <a:lstStyle/>
+            <a:p>
+              <a:endParaRPr lang="en-US"/>
+            </a:p>
+          </p:txBody>
+        </p:sp>
+        <p:sp>
+          <p:nvSpPr>
+            <p:cNvPr id="107" name="Line 31">
+              <a:extLst>
+                <a:ext uri="{FF2B5EF4-FFF2-40B4-BE49-F238E27FC236}">
+                  <a16:creationId xmlns:a16="http://schemas.microsoft.com/office/drawing/2014/main" id="{7A9638BD-1761-EB47-A0D9-58E0DD418933}"/>
+                </a:ext>
+              </a:extLst>
+            </p:cNvPr>
+            <p:cNvSpPr>
+              <a:spLocks noChangeShapeType="1"/>
+            </p:cNvSpPr>
+            <p:nvPr/>
+          </p:nvSpPr>
+          <p:spPr bwMode="auto">
+            <a:xfrm>
+              <a:off x="701" y="485"/>
+              <a:ext cx="0" cy="253"/>
+            </a:xfrm>
+            <a:prstGeom prst="line">
+              <a:avLst/>
+            </a:prstGeom>
+            <a:noFill/>
+            <a:ln w="28575">
+              <a:solidFill>
+                <a:schemeClr val="tx1"/>
+              </a:solidFill>
+              <a:round/>
+              <a:headEnd/>
+              <a:tailEnd/>
+            </a:ln>
+            <a:extLst>
+              <a:ext uri="{909E8E84-426E-40DD-AFC4-6F175D3DCCD1}">
+                <a14:hiddenFill xmlns:a14="http://schemas.microsoft.com/office/drawing/2010/main">
+                  <a:noFill/>
+                </a14:hiddenFill>
+              </a:ext>
+            </a:extLst>
+          </p:spPr>
+          <p:txBody>
+            <a:bodyPr wrap="none" anchor="ctr"/>
+            <a:lstStyle/>
+            <a:p>
+              <a:endParaRPr lang="en-US"/>
+            </a:p>
+          </p:txBody>
+        </p:sp>
+        <p:sp>
+          <p:nvSpPr>
+            <p:cNvPr id="108" name="Freeform 32">
+              <a:extLst>
+                <a:ext uri="{FF2B5EF4-FFF2-40B4-BE49-F238E27FC236}">
+                  <a16:creationId xmlns:a16="http://schemas.microsoft.com/office/drawing/2014/main" id="{3D84CA2D-3521-FA4C-BF5C-C56E62EF395C}"/>
+                </a:ext>
+              </a:extLst>
+            </p:cNvPr>
+            <p:cNvSpPr>
+              <a:spLocks/>
+            </p:cNvSpPr>
+            <p:nvPr/>
+          </p:nvSpPr>
+          <p:spPr bwMode="auto">
+            <a:xfrm>
+              <a:off x="528" y="240"/>
+              <a:ext cx="181" cy="332"/>
+            </a:xfrm>
+            <a:custGeom>
+              <a:avLst/>
+              <a:gdLst>
+                <a:gd name="T0" fmla="*/ 1 w 277"/>
+                <a:gd name="T1" fmla="*/ 0 h 517"/>
+                <a:gd name="T2" fmla="*/ 1 w 277"/>
+                <a:gd name="T3" fmla="*/ 0 h 517"/>
+                <a:gd name="T4" fmla="*/ 1 w 277"/>
+                <a:gd name="T5" fmla="*/ 1 h 517"/>
+                <a:gd name="T6" fmla="*/ 1 w 277"/>
+                <a:gd name="T7" fmla="*/ 1 h 517"/>
+                <a:gd name="T8" fmla="*/ 1 w 277"/>
+                <a:gd name="T9" fmla="*/ 1 h 517"/>
+                <a:gd name="T10" fmla="*/ 1 w 277"/>
+                <a:gd name="T11" fmla="*/ 1 h 517"/>
+                <a:gd name="T12" fmla="*/ 1 w 277"/>
+                <a:gd name="T13" fmla="*/ 1 h 517"/>
+                <a:gd name="T14" fmla="*/ 1 w 277"/>
+                <a:gd name="T15" fmla="*/ 1 h 517"/>
+                <a:gd name="T16" fmla="*/ 0 w 277"/>
+                <a:gd name="T17" fmla="*/ 1 h 517"/>
+                <a:gd name="T18" fmla="*/ 0 w 277"/>
+                <a:gd name="T19" fmla="*/ 1 h 517"/>
+                <a:gd name="T20" fmla="*/ 1 w 277"/>
+                <a:gd name="T21" fmla="*/ 1 h 517"/>
+                <a:gd name="T22" fmla="*/ 1 w 277"/>
+                <a:gd name="T23" fmla="*/ 1 h 517"/>
+                <a:gd name="T24" fmla="*/ 1 w 277"/>
+                <a:gd name="T25" fmla="*/ 0 h 517"/>
+                <a:gd name="T26" fmla="*/ 0 60000 65536"/>
+                <a:gd name="T27" fmla="*/ 0 60000 65536"/>
+                <a:gd name="T28" fmla="*/ 0 60000 65536"/>
+                <a:gd name="T29" fmla="*/ 0 60000 65536"/>
+                <a:gd name="T30" fmla="*/ 0 60000 65536"/>
+                <a:gd name="T31" fmla="*/ 0 60000 65536"/>
+                <a:gd name="T32" fmla="*/ 0 60000 65536"/>
+                <a:gd name="T33" fmla="*/ 0 60000 65536"/>
+                <a:gd name="T34" fmla="*/ 0 60000 65536"/>
+                <a:gd name="T35" fmla="*/ 0 60000 65536"/>
+                <a:gd name="T36" fmla="*/ 0 60000 65536"/>
+                <a:gd name="T37" fmla="*/ 0 60000 65536"/>
+                <a:gd name="T38" fmla="*/ 0 60000 65536"/>
+                <a:gd name="T39" fmla="*/ 0 w 277"/>
+                <a:gd name="T40" fmla="*/ 0 h 517"/>
+                <a:gd name="T41" fmla="*/ 277 w 277"/>
+                <a:gd name="T42" fmla="*/ 517 h 517"/>
+              </a:gdLst>
+              <a:ahLst/>
+              <a:cxnLst>
+                <a:cxn ang="T26">
+                  <a:pos x="T0" y="T1"/>
+                </a:cxn>
+                <a:cxn ang="T27">
+                  <a:pos x="T2" y="T3"/>
+                </a:cxn>
+                <a:cxn ang="T28">
+                  <a:pos x="T4" y="T5"/>
+                </a:cxn>
+                <a:cxn ang="T29">
+                  <a:pos x="T6" y="T7"/>
+                </a:cxn>
+                <a:cxn ang="T30">
+                  <a:pos x="T8" y="T9"/>
+                </a:cxn>
+                <a:cxn ang="T31">
+                  <a:pos x="T10" y="T11"/>
+                </a:cxn>
+                <a:cxn ang="T32">
+                  <a:pos x="T12" y="T13"/>
+                </a:cxn>
+                <a:cxn ang="T33">
+                  <a:pos x="T14" y="T15"/>
+                </a:cxn>
+                <a:cxn ang="T34">
+                  <a:pos x="T16" y="T17"/>
+                </a:cxn>
+                <a:cxn ang="T35">
+                  <a:pos x="T18" y="T19"/>
+                </a:cxn>
+                <a:cxn ang="T36">
+                  <a:pos x="T20" y="T21"/>
+                </a:cxn>
+                <a:cxn ang="T37">
+                  <a:pos x="T22" y="T23"/>
+                </a:cxn>
+                <a:cxn ang="T38">
+                  <a:pos x="T24" y="T25"/>
+                </a:cxn>
+              </a:cxnLst>
+              <a:rect l="T39" t="T40" r="T41" b="T42"/>
+              <a:pathLst>
+                <a:path w="277" h="517">
+                  <a:moveTo>
+                    <a:pt x="89" y="0"/>
+                  </a:moveTo>
+                  <a:lnTo>
+                    <a:pt x="191" y="0"/>
+                  </a:lnTo>
+                  <a:lnTo>
+                    <a:pt x="191" y="105"/>
+                  </a:lnTo>
+                  <a:lnTo>
+                    <a:pt x="225" y="105"/>
+                  </a:lnTo>
+                  <a:lnTo>
+                    <a:pt x="276" y="139"/>
+                  </a:lnTo>
+                  <a:lnTo>
+                    <a:pt x="276" y="415"/>
+                  </a:lnTo>
+                  <a:lnTo>
+                    <a:pt x="225" y="516"/>
+                  </a:lnTo>
+                  <a:lnTo>
+                    <a:pt x="51" y="516"/>
+                  </a:lnTo>
+                  <a:lnTo>
+                    <a:pt x="0" y="415"/>
+                  </a:lnTo>
+                  <a:lnTo>
+                    <a:pt x="0" y="139"/>
+                  </a:lnTo>
+                  <a:lnTo>
+                    <a:pt x="51" y="105"/>
+                  </a:lnTo>
+                  <a:lnTo>
+                    <a:pt x="89" y="105"/>
+                  </a:lnTo>
+                  <a:lnTo>
+                    <a:pt x="89" y="0"/>
+                  </a:lnTo>
+                </a:path>
+              </a:pathLst>
+            </a:custGeom>
+            <a:solidFill>
+              <a:srgbClr val="FFCC99"/>
+            </a:solidFill>
+            <a:ln w="12700" cap="rnd">
+              <a:solidFill>
+                <a:schemeClr val="tx1"/>
+              </a:solidFill>
+              <a:round/>
+              <a:headEnd/>
+              <a:tailEnd/>
+            </a:ln>
+          </p:spPr>
+          <p:txBody>
+            <a:bodyPr/>
+            <a:lstStyle/>
+            <a:p>
+              <a:endParaRPr lang="en-US"/>
+            </a:p>
+          </p:txBody>
+        </p:sp>
+      </p:grpSp>
+      <p:cxnSp>
+        <p:nvCxnSpPr>
+          <p:cNvPr id="109" name="Straight Connector 108">
+            <a:extLst>
+              <a:ext uri="{FF2B5EF4-FFF2-40B4-BE49-F238E27FC236}">
+                <a16:creationId xmlns:a16="http://schemas.microsoft.com/office/drawing/2014/main" id="{9B577CEB-C430-E648-B251-2F489A01D681}"/>
+              </a:ext>
+            </a:extLst>
+          </p:cNvPr>
+          <p:cNvCxnSpPr>
+            <a:cxnSpLocks/>
+          </p:cNvCxnSpPr>
+          <p:nvPr/>
+        </p:nvCxnSpPr>
+        <p:spPr>
+          <a:xfrm flipH="1">
+            <a:off x="5998286" y="8559753"/>
+            <a:ext cx="11114" cy="524924"/>
+          </a:xfrm>
+          <a:prstGeom prst="line">
+            <a:avLst/>
+          </a:prstGeom>
+          <a:ln>
+            <a:solidFill>
+              <a:srgbClr val="FF0000"/>
+            </a:solidFill>
+          </a:ln>
+          <a:effectLst/>
+        </p:spPr>
+        <p:style>
+          <a:lnRef idx="2">
+            <a:schemeClr val="accent1"/>
+          </a:lnRef>
+          <a:fillRef idx="0">
+            <a:schemeClr val="accent1"/>
+          </a:fillRef>
+          <a:effectRef idx="1">
+            <a:schemeClr val="accent1"/>
+          </a:effectRef>
+          <a:fontRef idx="minor">
+            <a:schemeClr val="tx1"/>
+          </a:fontRef>
+        </p:style>
+      </p:cxnSp>
     </p:spTree>
     <p:extLst>
       <p:ext uri="{BB962C8B-B14F-4D97-AF65-F5344CB8AC3E}">
